--- a/PPT/012.Grid的思想.pptx
+++ b/PPT/012.Grid的思想.pptx
@@ -200,7 +200,7 @@
           <a:p>
             <a:fld id="{E0065B5D-C4A0-4007-9850-53C6709BC93E}" type="datetimeFigureOut">
               <a:rPr lang="zh-CN" altLang="en-US" smtClean="0"/>
-              <a:t>2016/7/21</a:t>
+              <a:t>2018/2/8</a:t>
             </a:fld>
             <a:endParaRPr lang="zh-CN" altLang="en-US"/>
           </a:p>
@@ -3608,8 +3608,12 @@
           <a:lstStyle/>
           <a:p>
             <a:r>
-              <a:rPr lang="en-US" altLang="zh-CN" dirty="0"/>
-              <a:t>Selenium Grid2</a:t>
+              <a:rPr lang="en-US" altLang="zh-CN"/>
+              <a:t>Selenium </a:t>
+            </a:r>
+            <a:r>
+              <a:rPr lang="en-US" altLang="zh-CN" smtClean="0"/>
+              <a:t>Grid3</a:t>
             </a:r>
             <a:endParaRPr lang="zh-CN" altLang="en-US" dirty="0"/>
           </a:p>
@@ -3658,7 +3662,6 @@
               <a:rPr lang="zh-CN" altLang="en-US" dirty="0"/>
               <a:t>）。可以使主节点上的测试用例在不同的分支节点上运行。对于不同的节点来说，可以搭建不同的测试环境（操作系统、浏览器），从而使一份测试用例得到不同环境下的执行结果</a:t>
             </a:r>
-            <a:endParaRPr lang="zh-CN" altLang="en-US" dirty="0"/>
           </a:p>
         </p:txBody>
       </p:sp>
@@ -3722,7 +3725,6 @@
               <a:rPr lang="zh-CN" altLang="en-US" dirty="0"/>
               <a:t>版本</a:t>
             </a:r>
-            <a:endParaRPr lang="zh-CN" altLang="en-US" dirty="0"/>
           </a:p>
         </p:txBody>
       </p:sp>
@@ -3816,7 +3818,6 @@
               <a:rPr lang="zh-CN" altLang="en-US" dirty="0"/>
               <a:t>的功能。</a:t>
             </a:r>
-            <a:endParaRPr lang="zh-CN" altLang="en-US" dirty="0"/>
           </a:p>
         </p:txBody>
       </p:sp>
@@ -3880,7 +3881,6 @@
               <a:rPr lang="zh-CN" altLang="en-US" dirty="0"/>
               <a:t>环境配置</a:t>
             </a:r>
-            <a:endParaRPr lang="zh-CN" altLang="en-US" dirty="0"/>
           </a:p>
         </p:txBody>
       </p:sp>
@@ -5670,7 +5670,7 @@
         <a:sysClr val="windowText" lastClr="000000"/>
       </a:dk1>
       <a:lt1>
-        <a:sysClr val="window" lastClr="CCE8CF"/>
+        <a:sysClr val="window" lastClr="FFFFFF"/>
       </a:lt1>
       <a:dk2>
         <a:srgbClr val="1F497D"/>
